--- a/HardwareEngineering/Presentation/hardwarePresentation_teamH.pptx
+++ b/HardwareEngineering/Presentation/hardwarePresentation_teamH.pptx
@@ -4163,37 +4163,20 @@
                   </a:outerShdw>
                 </a:effectLst>
               </a:rPr>
-              <a:t>Let’s see it in </a:t>
-            </a:r>
-            <a:br>
-              <a:rPr lang="en-US">
-                <a:solidFill>
-                  <a:schemeClr val="accent1"/>
-                </a:solidFill>
-                <a:effectLst>
-                  <a:outerShdw blurRad="38100" dist="38100" dir="2700000" algn="tl">
-                    <a:srgbClr val="000000">
-                      <a:alpha val="43137"/>
-                    </a:srgbClr>
-                  </a:outerShdw>
-                </a:effectLst>
-              </a:rPr>
-            </a:br>
-            <a:r>
-              <a:rPr lang="en-US">
-                <a:solidFill>
-                  <a:schemeClr val="accent1"/>
-                </a:solidFill>
-                <a:effectLst>
-                  <a:outerShdw blurRad="38100" dist="38100" dir="2700000" algn="tl">
-                    <a:srgbClr val="000000">
-                      <a:alpha val="43137"/>
-                    </a:srgbClr>
-                  </a:outerShdw>
-                </a:effectLst>
-              </a:rPr>
-              <a:t>action !</a:t>
-            </a:r>
+              <a:t>THANK YOU FOR LISTENING!</a:t>
+            </a:r>
+            <a:endParaRPr lang="en-US" dirty="0">
+              <a:solidFill>
+                <a:schemeClr val="accent1"/>
+              </a:solidFill>
+              <a:effectLst>
+                <a:outerShdw blurRad="38100" dist="38100" dir="2700000" algn="tl">
+                  <a:srgbClr val="000000">
+                    <a:alpha val="43137"/>
+                  </a:srgbClr>
+                </a:outerShdw>
+              </a:effectLst>
+            </a:endParaRPr>
           </a:p>
         </p:txBody>
       </p:sp>

--- a/HardwareEngineering/Presentation/hardwarePresentation_teamH.pptx
+++ b/HardwareEngineering/Presentation/hardwarePresentation_teamH.pptx
@@ -344,7 +344,7 @@
           <a:p>
             <a:fld id="{4013ABCB-1F02-4307-A580-2C978B3AEFAC}" type="datetimeFigureOut">
               <a:rPr lang="en-US" smtClean="0"/>
-              <a:t>6/22/2023</a:t>
+              <a:t>7/11/2023</a:t>
             </a:fld>
             <a:endParaRPr lang="en-US"/>
           </a:p>
@@ -565,7 +565,7 @@
           <a:p>
             <a:fld id="{4013ABCB-1F02-4307-A580-2C978B3AEFAC}" type="datetimeFigureOut">
               <a:rPr lang="en-US" smtClean="0"/>
-              <a:t>6/22/2023</a:t>
+              <a:t>7/11/2023</a:t>
             </a:fld>
             <a:endParaRPr lang="en-US"/>
           </a:p>
@@ -745,7 +745,7 @@
           <a:p>
             <a:fld id="{4013ABCB-1F02-4307-A580-2C978B3AEFAC}" type="datetimeFigureOut">
               <a:rPr lang="en-US" smtClean="0"/>
-              <a:t>6/22/2023</a:t>
+              <a:t>7/11/2023</a:t>
             </a:fld>
             <a:endParaRPr lang="en-US"/>
           </a:p>
@@ -915,7 +915,7 @@
           <a:p>
             <a:fld id="{4013ABCB-1F02-4307-A580-2C978B3AEFAC}" type="datetimeFigureOut">
               <a:rPr lang="en-US" smtClean="0"/>
-              <a:t>6/22/2023</a:t>
+              <a:t>7/11/2023</a:t>
             </a:fld>
             <a:endParaRPr lang="en-US"/>
           </a:p>
@@ -1189,7 +1189,7 @@
           <a:p>
             <a:fld id="{4013ABCB-1F02-4307-A580-2C978B3AEFAC}" type="datetimeFigureOut">
               <a:rPr lang="en-US" smtClean="0"/>
-              <a:t>6/22/2023</a:t>
+              <a:t>7/11/2023</a:t>
             </a:fld>
             <a:endParaRPr lang="en-US"/>
           </a:p>
@@ -1512,7 +1512,7 @@
           <a:p>
             <a:fld id="{4013ABCB-1F02-4307-A580-2C978B3AEFAC}" type="datetimeFigureOut">
               <a:rPr lang="en-US" smtClean="0"/>
-              <a:t>6/22/2023</a:t>
+              <a:t>7/11/2023</a:t>
             </a:fld>
             <a:endParaRPr lang="en-US"/>
           </a:p>
@@ -1936,7 +1936,7 @@
           <a:p>
             <a:fld id="{4013ABCB-1F02-4307-A580-2C978B3AEFAC}" type="datetimeFigureOut">
               <a:rPr lang="en-US" smtClean="0"/>
-              <a:t>6/22/2023</a:t>
+              <a:t>7/11/2023</a:t>
             </a:fld>
             <a:endParaRPr lang="en-US"/>
           </a:p>
@@ -2054,7 +2054,7 @@
           <a:p>
             <a:fld id="{4013ABCB-1F02-4307-A580-2C978B3AEFAC}" type="datetimeFigureOut">
               <a:rPr lang="en-US" smtClean="0"/>
-              <a:t>6/22/2023</a:t>
+              <a:t>7/11/2023</a:t>
             </a:fld>
             <a:endParaRPr lang="en-US"/>
           </a:p>
@@ -2149,7 +2149,7 @@
           <a:p>
             <a:fld id="{4013ABCB-1F02-4307-A580-2C978B3AEFAC}" type="datetimeFigureOut">
               <a:rPr lang="en-US" smtClean="0"/>
-              <a:t>6/22/2023</a:t>
+              <a:t>7/11/2023</a:t>
             </a:fld>
             <a:endParaRPr lang="en-US"/>
           </a:p>
@@ -2439,7 +2439,7 @@
           <a:p>
             <a:fld id="{4013ABCB-1F02-4307-A580-2C978B3AEFAC}" type="datetimeFigureOut">
               <a:rPr lang="en-US" smtClean="0"/>
-              <a:t>6/22/2023</a:t>
+              <a:t>7/11/2023</a:t>
             </a:fld>
             <a:endParaRPr lang="en-US"/>
           </a:p>
@@ -2711,7 +2711,7 @@
           <a:p>
             <a:fld id="{4013ABCB-1F02-4307-A580-2C978B3AEFAC}" type="datetimeFigureOut">
               <a:rPr lang="en-US" smtClean="0"/>
-              <a:t>6/22/2023</a:t>
+              <a:t>7/11/2023</a:t>
             </a:fld>
             <a:endParaRPr lang="en-US"/>
           </a:p>
@@ -2965,7 +2965,7 @@
           <a:p>
             <a:fld id="{4013ABCB-1F02-4307-A580-2C978B3AEFAC}" type="datetimeFigureOut">
               <a:rPr lang="en-US" smtClean="0"/>
-              <a:t>6/22/2023</a:t>
+              <a:t>7/11/2023</a:t>
             </a:fld>
             <a:endParaRPr lang="en-US"/>
           </a:p>
@@ -5096,8 +5096,8 @@
         </p:nvGrpSpPr>
         <p:grpSpPr>
           <a:xfrm>
-            <a:off x="1917209" y="961798"/>
-            <a:ext cx="4173711" cy="4593407"/>
+            <a:off x="1527743" y="929632"/>
+            <a:ext cx="4449724" cy="4998735"/>
             <a:chOff x="2556929" y="765153"/>
             <a:chExt cx="4173711" cy="4593407"/>
           </a:xfrm>
@@ -5463,8 +5463,8 @@
           </p:nvSpPr>
           <p:spPr>
             <a:xfrm>
-              <a:off x="2598945" y="2859407"/>
-              <a:ext cx="1763889" cy="307777"/>
+              <a:off x="2597719" y="2779994"/>
+              <a:ext cx="1763889" cy="678769"/>
             </a:xfrm>
             <a:prstGeom prst="rect">
               <a:avLst/>
@@ -5477,6 +5477,7 @@
             </a:bodyPr>
             <a:lstStyle/>
             <a:p>
+              <a:pPr algn="ctr"/>
               <a:r>
                 <a:rPr lang="en-GB" sz="1400" b="1" dirty="0"/>
                 <a:t>Coin_in /= </a:t>
@@ -5488,6 +5489,33 @@
                 </a:rPr>
                 <a:t>“0000”</a:t>
               </a:r>
+              <a:br>
+                <a:rPr lang="en-GB" sz="1400" b="1" dirty="0">
+                  <a:latin typeface="Adobe Gothic Std B" panose="020B0800000000000000" pitchFamily="34" charset="-128"/>
+                  <a:ea typeface="Adobe Gothic Std B" panose="020B0800000000000000" pitchFamily="34" charset="-128"/>
+                </a:rPr>
+              </a:br>
+              <a:r>
+                <a:rPr lang="en-GB" sz="1400" b="1" dirty="0">
+                  <a:latin typeface="Adobe Gothic Std B" panose="020B0800000000000000" pitchFamily="34" charset="-128"/>
+                  <a:ea typeface="Adobe Gothic Std B" panose="020B0800000000000000" pitchFamily="34" charset="-128"/>
+                </a:rPr>
+                <a:t>&amp;&amp;</a:t>
+              </a:r>
+              <a:br>
+                <a:rPr lang="en-GB" sz="1400" b="1" dirty="0">
+                  <a:latin typeface="Adobe Gothic Std B" panose="020B0800000000000000" pitchFamily="34" charset="-128"/>
+                  <a:ea typeface="Adobe Gothic Std B" panose="020B0800000000000000" pitchFamily="34" charset="-128"/>
+                </a:rPr>
+              </a:br>
+              <a:r>
+                <a:rPr lang="en-GB" sz="1400" b="1" dirty="0"/>
+                <a:t>Total &gt; Price</a:t>
+              </a:r>
+              <a:endParaRPr lang="en-GB" sz="1400" b="1" dirty="0">
+                <a:latin typeface="Adobe Gothic Std B" panose="020B0800000000000000" pitchFamily="34" charset="-128"/>
+                <a:ea typeface="Adobe Gothic Std B" panose="020B0800000000000000" pitchFamily="34" charset="-128"/>
+              </a:endParaRPr>
             </a:p>
           </p:txBody>
         </p:sp>
@@ -5648,7 +5676,7 @@
           <p:spPr>
             <a:xfrm>
               <a:off x="3074125" y="4268564"/>
-              <a:ext cx="1173410" cy="307777"/>
+              <a:ext cx="1173410" cy="282821"/>
             </a:xfrm>
             <a:prstGeom prst="rect">
               <a:avLst/>
@@ -5663,12 +5691,15 @@
             <a:p>
               <a:r>
                 <a:rPr lang="en-GB" sz="1400" b="1" dirty="0"/>
-                <a:t>Total &gt; Price</a:t>
+                <a:t>Refund &gt;= </a:t>
               </a:r>
-              <a:endParaRPr lang="en-GB" sz="1400" b="1" dirty="0">
-                <a:latin typeface="Adobe Gothic Std B" panose="020B0800000000000000" pitchFamily="34" charset="-128"/>
-                <a:ea typeface="Adobe Gothic Std B" panose="020B0800000000000000" pitchFamily="34" charset="-128"/>
-              </a:endParaRPr>
+              <a:r>
+                <a:rPr lang="en-GB" sz="1400" b="1" dirty="0">
+                  <a:latin typeface="Adobe Gothic Std B" panose="020B0800000000000000" pitchFamily="34" charset="-128"/>
+                  <a:ea typeface="Adobe Gothic Std B" panose="020B0800000000000000" pitchFamily="34" charset="-128"/>
+                </a:rPr>
+                <a:t>0</a:t>
+              </a:r>
             </a:p>
           </p:txBody>
         </p:sp>
@@ -6934,36 +6965,6 @@
           <a:chExt cx="0" cy="0"/>
         </a:xfrm>
       </p:grpSpPr>
-      <p:pic>
-        <p:nvPicPr>
-          <p:cNvPr id="5" name="Picture 4">
-            <a:extLst>
-              <a:ext uri="{FF2B5EF4-FFF2-40B4-BE49-F238E27FC236}">
-                <a16:creationId xmlns:a16="http://schemas.microsoft.com/office/drawing/2014/main" id="{56B29FFF-B00A-ADBC-FAB8-6DE7036DC191}"/>
-              </a:ext>
-            </a:extLst>
-          </p:cNvPr>
-          <p:cNvPicPr>
-            <a:picLocks noChangeAspect="1"/>
-          </p:cNvPicPr>
-          <p:nvPr/>
-        </p:nvPicPr>
-        <p:blipFill>
-          <a:blip r:embed="rId2"/>
-          <a:stretch>
-            <a:fillRect/>
-          </a:stretch>
-        </p:blipFill>
-        <p:spPr>
-          <a:xfrm>
-            <a:off x="5684619" y="503209"/>
-            <a:ext cx="5838787" cy="5989234"/>
-          </a:xfrm>
-          <a:prstGeom prst="rect">
-            <a:avLst/>
-          </a:prstGeom>
-        </p:spPr>
-      </p:pic>
       <p:sp>
         <p:nvSpPr>
           <p:cNvPr id="8" name="Titel 1">
@@ -7054,6 +7055,36 @@
           </a:p>
         </p:txBody>
       </p:sp>
+      <p:pic>
+        <p:nvPicPr>
+          <p:cNvPr id="3" name="Picture 2">
+            <a:extLst>
+              <a:ext uri="{FF2B5EF4-FFF2-40B4-BE49-F238E27FC236}">
+                <a16:creationId xmlns:a16="http://schemas.microsoft.com/office/drawing/2014/main" id="{69469C4A-4AF6-F695-4AD2-DCC00CB1D18B}"/>
+              </a:ext>
+            </a:extLst>
+          </p:cNvPr>
+          <p:cNvPicPr>
+            <a:picLocks noChangeAspect="1"/>
+          </p:cNvPicPr>
+          <p:nvPr/>
+        </p:nvPicPr>
+        <p:blipFill>
+          <a:blip r:embed="rId2"/>
+          <a:stretch>
+            <a:fillRect/>
+          </a:stretch>
+        </p:blipFill>
+        <p:spPr>
+          <a:xfrm>
+            <a:off x="5646996" y="266426"/>
+            <a:ext cx="6248942" cy="6325148"/>
+          </a:xfrm>
+          <a:prstGeom prst="rect">
+            <a:avLst/>
+          </a:prstGeom>
+        </p:spPr>
+      </p:pic>
     </p:spTree>
     <p:extLst>
       <p:ext uri="{BB962C8B-B14F-4D97-AF65-F5344CB8AC3E}">
@@ -7296,10 +7327,10 @@
       </p:pic>
       <p:pic>
         <p:nvPicPr>
-          <p:cNvPr id="9" name="Picture 8">
+          <p:cNvPr id="13" name="Picture 12">
             <a:extLst>
               <a:ext uri="{FF2B5EF4-FFF2-40B4-BE49-F238E27FC236}">
-                <a16:creationId xmlns:a16="http://schemas.microsoft.com/office/drawing/2014/main" id="{15123642-E47A-FEFE-A379-EFB4110794EA}"/>
+                <a16:creationId xmlns:a16="http://schemas.microsoft.com/office/drawing/2014/main" id="{2246467E-0166-3C05-4759-D6FAD989FA52}"/>
               </a:ext>
             </a:extLst>
           </p:cNvPr>
@@ -7310,36 +7341,6 @@
         </p:nvPicPr>
         <p:blipFill>
           <a:blip r:embed="rId3"/>
-          <a:stretch>
-            <a:fillRect/>
-          </a:stretch>
-        </p:blipFill>
-        <p:spPr>
-          <a:xfrm>
-            <a:off x="553058" y="3659320"/>
-            <a:ext cx="5641879" cy="2057935"/>
-          </a:xfrm>
-          <a:prstGeom prst="rect">
-            <a:avLst/>
-          </a:prstGeom>
-        </p:spPr>
-      </p:pic>
-      <p:pic>
-        <p:nvPicPr>
-          <p:cNvPr id="13" name="Picture 12">
-            <a:extLst>
-              <a:ext uri="{FF2B5EF4-FFF2-40B4-BE49-F238E27FC236}">
-                <a16:creationId xmlns:a16="http://schemas.microsoft.com/office/drawing/2014/main" id="{2246467E-0166-3C05-4759-D6FAD989FA52}"/>
-              </a:ext>
-            </a:extLst>
-          </p:cNvPr>
-          <p:cNvPicPr>
-            <a:picLocks noChangeAspect="1"/>
-          </p:cNvPicPr>
-          <p:nvPr/>
-        </p:nvPicPr>
-        <p:blipFill>
-          <a:blip r:embed="rId4"/>
           <a:stretch>
             <a:fillRect/>
           </a:stretch>
@@ -7444,6 +7445,36 @@
           </a:p>
         </p:txBody>
       </p:sp>
+      <p:pic>
+        <p:nvPicPr>
+          <p:cNvPr id="3" name="Picture 2">
+            <a:extLst>
+              <a:ext uri="{FF2B5EF4-FFF2-40B4-BE49-F238E27FC236}">
+                <a16:creationId xmlns:a16="http://schemas.microsoft.com/office/drawing/2014/main" id="{6A70F121-DC0E-9EE4-0CEE-859DBCA4F260}"/>
+              </a:ext>
+            </a:extLst>
+          </p:cNvPr>
+          <p:cNvPicPr>
+            <a:picLocks noChangeAspect="1"/>
+          </p:cNvPicPr>
+          <p:nvPr/>
+        </p:nvPicPr>
+        <p:blipFill>
+          <a:blip r:embed="rId4"/>
+          <a:stretch>
+            <a:fillRect/>
+          </a:stretch>
+        </p:blipFill>
+        <p:spPr>
+          <a:xfrm>
+            <a:off x="553059" y="3800121"/>
+            <a:ext cx="4884842" cy="2189421"/>
+          </a:xfrm>
+          <a:prstGeom prst="rect">
+            <a:avLst/>
+          </a:prstGeom>
+        </p:spPr>
+      </p:pic>
     </p:spTree>
     <p:extLst>
       <p:ext uri="{BB962C8B-B14F-4D97-AF65-F5344CB8AC3E}">

--- a/HardwareEngineering/Presentation/hardwarePresentation_teamH.pptx
+++ b/HardwareEngineering/Presentation/hardwarePresentation_teamH.pptx
@@ -344,7 +344,7 @@
           <a:p>
             <a:fld id="{4013ABCB-1F02-4307-A580-2C978B3AEFAC}" type="datetimeFigureOut">
               <a:rPr lang="en-US" smtClean="0"/>
-              <a:t>6/22/2023</a:t>
+              <a:t>7/11/2023</a:t>
             </a:fld>
             <a:endParaRPr lang="en-US"/>
           </a:p>
@@ -565,7 +565,7 @@
           <a:p>
             <a:fld id="{4013ABCB-1F02-4307-A580-2C978B3AEFAC}" type="datetimeFigureOut">
               <a:rPr lang="en-US" smtClean="0"/>
-              <a:t>6/22/2023</a:t>
+              <a:t>7/11/2023</a:t>
             </a:fld>
             <a:endParaRPr lang="en-US"/>
           </a:p>
@@ -745,7 +745,7 @@
           <a:p>
             <a:fld id="{4013ABCB-1F02-4307-A580-2C978B3AEFAC}" type="datetimeFigureOut">
               <a:rPr lang="en-US" smtClean="0"/>
-              <a:t>6/22/2023</a:t>
+              <a:t>7/11/2023</a:t>
             </a:fld>
             <a:endParaRPr lang="en-US"/>
           </a:p>
@@ -915,7 +915,7 @@
           <a:p>
             <a:fld id="{4013ABCB-1F02-4307-A580-2C978B3AEFAC}" type="datetimeFigureOut">
               <a:rPr lang="en-US" smtClean="0"/>
-              <a:t>6/22/2023</a:t>
+              <a:t>7/11/2023</a:t>
             </a:fld>
             <a:endParaRPr lang="en-US"/>
           </a:p>
@@ -1189,7 +1189,7 @@
           <a:p>
             <a:fld id="{4013ABCB-1F02-4307-A580-2C978B3AEFAC}" type="datetimeFigureOut">
               <a:rPr lang="en-US" smtClean="0"/>
-              <a:t>6/22/2023</a:t>
+              <a:t>7/11/2023</a:t>
             </a:fld>
             <a:endParaRPr lang="en-US"/>
           </a:p>
@@ -1512,7 +1512,7 @@
           <a:p>
             <a:fld id="{4013ABCB-1F02-4307-A580-2C978B3AEFAC}" type="datetimeFigureOut">
               <a:rPr lang="en-US" smtClean="0"/>
-              <a:t>6/22/2023</a:t>
+              <a:t>7/11/2023</a:t>
             </a:fld>
             <a:endParaRPr lang="en-US"/>
           </a:p>
@@ -1936,7 +1936,7 @@
           <a:p>
             <a:fld id="{4013ABCB-1F02-4307-A580-2C978B3AEFAC}" type="datetimeFigureOut">
               <a:rPr lang="en-US" smtClean="0"/>
-              <a:t>6/22/2023</a:t>
+              <a:t>7/11/2023</a:t>
             </a:fld>
             <a:endParaRPr lang="en-US"/>
           </a:p>
@@ -2054,7 +2054,7 @@
           <a:p>
             <a:fld id="{4013ABCB-1F02-4307-A580-2C978B3AEFAC}" type="datetimeFigureOut">
               <a:rPr lang="en-US" smtClean="0"/>
-              <a:t>6/22/2023</a:t>
+              <a:t>7/11/2023</a:t>
             </a:fld>
             <a:endParaRPr lang="en-US"/>
           </a:p>
@@ -2149,7 +2149,7 @@
           <a:p>
             <a:fld id="{4013ABCB-1F02-4307-A580-2C978B3AEFAC}" type="datetimeFigureOut">
               <a:rPr lang="en-US" smtClean="0"/>
-              <a:t>6/22/2023</a:t>
+              <a:t>7/11/2023</a:t>
             </a:fld>
             <a:endParaRPr lang="en-US"/>
           </a:p>
@@ -2439,7 +2439,7 @@
           <a:p>
             <a:fld id="{4013ABCB-1F02-4307-A580-2C978B3AEFAC}" type="datetimeFigureOut">
               <a:rPr lang="en-US" smtClean="0"/>
-              <a:t>6/22/2023</a:t>
+              <a:t>7/11/2023</a:t>
             </a:fld>
             <a:endParaRPr lang="en-US"/>
           </a:p>
@@ -2711,7 +2711,7 @@
           <a:p>
             <a:fld id="{4013ABCB-1F02-4307-A580-2C978B3AEFAC}" type="datetimeFigureOut">
               <a:rPr lang="en-US" smtClean="0"/>
-              <a:t>6/22/2023</a:t>
+              <a:t>7/11/2023</a:t>
             </a:fld>
             <a:endParaRPr lang="en-US"/>
           </a:p>
@@ -2965,7 +2965,7 @@
           <a:p>
             <a:fld id="{4013ABCB-1F02-4307-A580-2C978B3AEFAC}" type="datetimeFigureOut">
               <a:rPr lang="en-US" smtClean="0"/>
-              <a:t>6/22/2023</a:t>
+              <a:t>7/11/2023</a:t>
             </a:fld>
             <a:endParaRPr lang="en-US"/>
           </a:p>
@@ -4163,37 +4163,20 @@
                   </a:outerShdw>
                 </a:effectLst>
               </a:rPr>
-              <a:t>Let’s see it in </a:t>
-            </a:r>
-            <a:br>
-              <a:rPr lang="en-US">
-                <a:solidFill>
-                  <a:schemeClr val="accent1"/>
-                </a:solidFill>
-                <a:effectLst>
-                  <a:outerShdw blurRad="38100" dist="38100" dir="2700000" algn="tl">
-                    <a:srgbClr val="000000">
-                      <a:alpha val="43137"/>
-                    </a:srgbClr>
-                  </a:outerShdw>
-                </a:effectLst>
-              </a:rPr>
-            </a:br>
-            <a:r>
-              <a:rPr lang="en-US">
-                <a:solidFill>
-                  <a:schemeClr val="accent1"/>
-                </a:solidFill>
-                <a:effectLst>
-                  <a:outerShdw blurRad="38100" dist="38100" dir="2700000" algn="tl">
-                    <a:srgbClr val="000000">
-                      <a:alpha val="43137"/>
-                    </a:srgbClr>
-                  </a:outerShdw>
-                </a:effectLst>
-              </a:rPr>
-              <a:t>action !</a:t>
-            </a:r>
+              <a:t>THANK YOU FOR LISTENING!</a:t>
+            </a:r>
+            <a:endParaRPr lang="en-US" dirty="0">
+              <a:solidFill>
+                <a:schemeClr val="accent1"/>
+              </a:solidFill>
+              <a:effectLst>
+                <a:outerShdw blurRad="38100" dist="38100" dir="2700000" algn="tl">
+                  <a:srgbClr val="000000">
+                    <a:alpha val="43137"/>
+                  </a:srgbClr>
+                </a:outerShdw>
+              </a:effectLst>
+            </a:endParaRPr>
           </a:p>
         </p:txBody>
       </p:sp>
@@ -5113,8 +5096,8 @@
         </p:nvGrpSpPr>
         <p:grpSpPr>
           <a:xfrm>
-            <a:off x="1917209" y="961798"/>
-            <a:ext cx="4173711" cy="4593407"/>
+            <a:off x="1527743" y="929632"/>
+            <a:ext cx="4449724" cy="4998735"/>
             <a:chOff x="2556929" y="765153"/>
             <a:chExt cx="4173711" cy="4593407"/>
           </a:xfrm>
@@ -5480,8 +5463,8 @@
           </p:nvSpPr>
           <p:spPr>
             <a:xfrm>
-              <a:off x="2598945" y="2859407"/>
-              <a:ext cx="1763889" cy="307777"/>
+              <a:off x="2597719" y="2779994"/>
+              <a:ext cx="1763889" cy="678769"/>
             </a:xfrm>
             <a:prstGeom prst="rect">
               <a:avLst/>
@@ -5494,6 +5477,7 @@
             </a:bodyPr>
             <a:lstStyle/>
             <a:p>
+              <a:pPr algn="ctr"/>
               <a:r>
                 <a:rPr lang="en-GB" sz="1400" b="1" dirty="0"/>
                 <a:t>Coin_in /= </a:t>
@@ -5505,6 +5489,33 @@
                 </a:rPr>
                 <a:t>“0000”</a:t>
               </a:r>
+              <a:br>
+                <a:rPr lang="en-GB" sz="1400" b="1" dirty="0">
+                  <a:latin typeface="Adobe Gothic Std B" panose="020B0800000000000000" pitchFamily="34" charset="-128"/>
+                  <a:ea typeface="Adobe Gothic Std B" panose="020B0800000000000000" pitchFamily="34" charset="-128"/>
+                </a:rPr>
+              </a:br>
+              <a:r>
+                <a:rPr lang="en-GB" sz="1400" b="1" dirty="0">
+                  <a:latin typeface="Adobe Gothic Std B" panose="020B0800000000000000" pitchFamily="34" charset="-128"/>
+                  <a:ea typeface="Adobe Gothic Std B" panose="020B0800000000000000" pitchFamily="34" charset="-128"/>
+                </a:rPr>
+                <a:t>&amp;&amp;</a:t>
+              </a:r>
+              <a:br>
+                <a:rPr lang="en-GB" sz="1400" b="1" dirty="0">
+                  <a:latin typeface="Adobe Gothic Std B" panose="020B0800000000000000" pitchFamily="34" charset="-128"/>
+                  <a:ea typeface="Adobe Gothic Std B" panose="020B0800000000000000" pitchFamily="34" charset="-128"/>
+                </a:rPr>
+              </a:br>
+              <a:r>
+                <a:rPr lang="en-GB" sz="1400" b="1" dirty="0"/>
+                <a:t>Total &gt; Price</a:t>
+              </a:r>
+              <a:endParaRPr lang="en-GB" sz="1400" b="1" dirty="0">
+                <a:latin typeface="Adobe Gothic Std B" panose="020B0800000000000000" pitchFamily="34" charset="-128"/>
+                <a:ea typeface="Adobe Gothic Std B" panose="020B0800000000000000" pitchFamily="34" charset="-128"/>
+              </a:endParaRPr>
             </a:p>
           </p:txBody>
         </p:sp>
@@ -5665,7 +5676,7 @@
           <p:spPr>
             <a:xfrm>
               <a:off x="3074125" y="4268564"/>
-              <a:ext cx="1173410" cy="307777"/>
+              <a:ext cx="1173410" cy="282821"/>
             </a:xfrm>
             <a:prstGeom prst="rect">
               <a:avLst/>
@@ -5680,12 +5691,15 @@
             <a:p>
               <a:r>
                 <a:rPr lang="en-GB" sz="1400" b="1" dirty="0"/>
-                <a:t>Total &gt; Price</a:t>
+                <a:t>Refund &gt;= </a:t>
               </a:r>
-              <a:endParaRPr lang="en-GB" sz="1400" b="1" dirty="0">
-                <a:latin typeface="Adobe Gothic Std B" panose="020B0800000000000000" pitchFamily="34" charset="-128"/>
-                <a:ea typeface="Adobe Gothic Std B" panose="020B0800000000000000" pitchFamily="34" charset="-128"/>
-              </a:endParaRPr>
+              <a:r>
+                <a:rPr lang="en-GB" sz="1400" b="1" dirty="0">
+                  <a:latin typeface="Adobe Gothic Std B" panose="020B0800000000000000" pitchFamily="34" charset="-128"/>
+                  <a:ea typeface="Adobe Gothic Std B" panose="020B0800000000000000" pitchFamily="34" charset="-128"/>
+                </a:rPr>
+                <a:t>0</a:t>
+              </a:r>
             </a:p>
           </p:txBody>
         </p:sp>
@@ -6951,36 +6965,6 @@
           <a:chExt cx="0" cy="0"/>
         </a:xfrm>
       </p:grpSpPr>
-      <p:pic>
-        <p:nvPicPr>
-          <p:cNvPr id="5" name="Picture 4">
-            <a:extLst>
-              <a:ext uri="{FF2B5EF4-FFF2-40B4-BE49-F238E27FC236}">
-                <a16:creationId xmlns:a16="http://schemas.microsoft.com/office/drawing/2014/main" id="{56B29FFF-B00A-ADBC-FAB8-6DE7036DC191}"/>
-              </a:ext>
-            </a:extLst>
-          </p:cNvPr>
-          <p:cNvPicPr>
-            <a:picLocks noChangeAspect="1"/>
-          </p:cNvPicPr>
-          <p:nvPr/>
-        </p:nvPicPr>
-        <p:blipFill>
-          <a:blip r:embed="rId2"/>
-          <a:stretch>
-            <a:fillRect/>
-          </a:stretch>
-        </p:blipFill>
-        <p:spPr>
-          <a:xfrm>
-            <a:off x="5684619" y="503209"/>
-            <a:ext cx="5838787" cy="5989234"/>
-          </a:xfrm>
-          <a:prstGeom prst="rect">
-            <a:avLst/>
-          </a:prstGeom>
-        </p:spPr>
-      </p:pic>
       <p:sp>
         <p:nvSpPr>
           <p:cNvPr id="8" name="Titel 1">
@@ -7071,6 +7055,36 @@
           </a:p>
         </p:txBody>
       </p:sp>
+      <p:pic>
+        <p:nvPicPr>
+          <p:cNvPr id="3" name="Picture 2">
+            <a:extLst>
+              <a:ext uri="{FF2B5EF4-FFF2-40B4-BE49-F238E27FC236}">
+                <a16:creationId xmlns:a16="http://schemas.microsoft.com/office/drawing/2014/main" id="{69469C4A-4AF6-F695-4AD2-DCC00CB1D18B}"/>
+              </a:ext>
+            </a:extLst>
+          </p:cNvPr>
+          <p:cNvPicPr>
+            <a:picLocks noChangeAspect="1"/>
+          </p:cNvPicPr>
+          <p:nvPr/>
+        </p:nvPicPr>
+        <p:blipFill>
+          <a:blip r:embed="rId2"/>
+          <a:stretch>
+            <a:fillRect/>
+          </a:stretch>
+        </p:blipFill>
+        <p:spPr>
+          <a:xfrm>
+            <a:off x="5646996" y="266426"/>
+            <a:ext cx="6248942" cy="6325148"/>
+          </a:xfrm>
+          <a:prstGeom prst="rect">
+            <a:avLst/>
+          </a:prstGeom>
+        </p:spPr>
+      </p:pic>
     </p:spTree>
     <p:extLst>
       <p:ext uri="{BB962C8B-B14F-4D97-AF65-F5344CB8AC3E}">
@@ -7313,10 +7327,10 @@
       </p:pic>
       <p:pic>
         <p:nvPicPr>
-          <p:cNvPr id="9" name="Picture 8">
+          <p:cNvPr id="13" name="Picture 12">
             <a:extLst>
               <a:ext uri="{FF2B5EF4-FFF2-40B4-BE49-F238E27FC236}">
-                <a16:creationId xmlns:a16="http://schemas.microsoft.com/office/drawing/2014/main" id="{15123642-E47A-FEFE-A379-EFB4110794EA}"/>
+                <a16:creationId xmlns:a16="http://schemas.microsoft.com/office/drawing/2014/main" id="{2246467E-0166-3C05-4759-D6FAD989FA52}"/>
               </a:ext>
             </a:extLst>
           </p:cNvPr>
@@ -7327,36 +7341,6 @@
         </p:nvPicPr>
         <p:blipFill>
           <a:blip r:embed="rId3"/>
-          <a:stretch>
-            <a:fillRect/>
-          </a:stretch>
-        </p:blipFill>
-        <p:spPr>
-          <a:xfrm>
-            <a:off x="553058" y="3659320"/>
-            <a:ext cx="5641879" cy="2057935"/>
-          </a:xfrm>
-          <a:prstGeom prst="rect">
-            <a:avLst/>
-          </a:prstGeom>
-        </p:spPr>
-      </p:pic>
-      <p:pic>
-        <p:nvPicPr>
-          <p:cNvPr id="13" name="Picture 12">
-            <a:extLst>
-              <a:ext uri="{FF2B5EF4-FFF2-40B4-BE49-F238E27FC236}">
-                <a16:creationId xmlns:a16="http://schemas.microsoft.com/office/drawing/2014/main" id="{2246467E-0166-3C05-4759-D6FAD989FA52}"/>
-              </a:ext>
-            </a:extLst>
-          </p:cNvPr>
-          <p:cNvPicPr>
-            <a:picLocks noChangeAspect="1"/>
-          </p:cNvPicPr>
-          <p:nvPr/>
-        </p:nvPicPr>
-        <p:blipFill>
-          <a:blip r:embed="rId4"/>
           <a:stretch>
             <a:fillRect/>
           </a:stretch>
@@ -7461,6 +7445,36 @@
           </a:p>
         </p:txBody>
       </p:sp>
+      <p:pic>
+        <p:nvPicPr>
+          <p:cNvPr id="3" name="Picture 2">
+            <a:extLst>
+              <a:ext uri="{FF2B5EF4-FFF2-40B4-BE49-F238E27FC236}">
+                <a16:creationId xmlns:a16="http://schemas.microsoft.com/office/drawing/2014/main" id="{6A70F121-DC0E-9EE4-0CEE-859DBCA4F260}"/>
+              </a:ext>
+            </a:extLst>
+          </p:cNvPr>
+          <p:cNvPicPr>
+            <a:picLocks noChangeAspect="1"/>
+          </p:cNvPicPr>
+          <p:nvPr/>
+        </p:nvPicPr>
+        <p:blipFill>
+          <a:blip r:embed="rId4"/>
+          <a:stretch>
+            <a:fillRect/>
+          </a:stretch>
+        </p:blipFill>
+        <p:spPr>
+          <a:xfrm>
+            <a:off x="553059" y="3800121"/>
+            <a:ext cx="4884842" cy="2189421"/>
+          </a:xfrm>
+          <a:prstGeom prst="rect">
+            <a:avLst/>
+          </a:prstGeom>
+        </p:spPr>
+      </p:pic>
     </p:spTree>
     <p:extLst>
       <p:ext uri="{BB962C8B-B14F-4D97-AF65-F5344CB8AC3E}">
